--- a/Relatorio/image/PESTA/flowchart/Main_Program_1.pptx
+++ b/Relatorio/image/PESTA/flowchart/Main_Program_1.pptx
@@ -269,7 +269,7 @@
           <a:p>
             <a:fld id="{486408F3-248D-4767-B5FA-BB4B09811B03}" type="datetimeFigureOut">
               <a:rPr lang="en-GB" smtClean="0"/>
-              <a:t>08/05/2021</a:t>
+              <a:t>21/06/2021</a:t>
             </a:fld>
             <a:endParaRPr lang="en-GB"/>
           </a:p>
@@ -469,7 +469,7 @@
           <a:p>
             <a:fld id="{486408F3-248D-4767-B5FA-BB4B09811B03}" type="datetimeFigureOut">
               <a:rPr lang="en-GB" smtClean="0"/>
-              <a:t>08/05/2021</a:t>
+              <a:t>21/06/2021</a:t>
             </a:fld>
             <a:endParaRPr lang="en-GB"/>
           </a:p>
@@ -679,7 +679,7 @@
           <a:p>
             <a:fld id="{486408F3-248D-4767-B5FA-BB4B09811B03}" type="datetimeFigureOut">
               <a:rPr lang="en-GB" smtClean="0"/>
-              <a:t>08/05/2021</a:t>
+              <a:t>21/06/2021</a:t>
             </a:fld>
             <a:endParaRPr lang="en-GB"/>
           </a:p>
@@ -879,7 +879,7 @@
           <a:p>
             <a:fld id="{486408F3-248D-4767-B5FA-BB4B09811B03}" type="datetimeFigureOut">
               <a:rPr lang="en-GB" smtClean="0"/>
-              <a:t>08/05/2021</a:t>
+              <a:t>21/06/2021</a:t>
             </a:fld>
             <a:endParaRPr lang="en-GB"/>
           </a:p>
@@ -1155,7 +1155,7 @@
           <a:p>
             <a:fld id="{486408F3-248D-4767-B5FA-BB4B09811B03}" type="datetimeFigureOut">
               <a:rPr lang="en-GB" smtClean="0"/>
-              <a:t>08/05/2021</a:t>
+              <a:t>21/06/2021</a:t>
             </a:fld>
             <a:endParaRPr lang="en-GB"/>
           </a:p>
@@ -1423,7 +1423,7 @@
           <a:p>
             <a:fld id="{486408F3-248D-4767-B5FA-BB4B09811B03}" type="datetimeFigureOut">
               <a:rPr lang="en-GB" smtClean="0"/>
-              <a:t>08/05/2021</a:t>
+              <a:t>21/06/2021</a:t>
             </a:fld>
             <a:endParaRPr lang="en-GB"/>
           </a:p>
@@ -1838,7 +1838,7 @@
           <a:p>
             <a:fld id="{486408F3-248D-4767-B5FA-BB4B09811B03}" type="datetimeFigureOut">
               <a:rPr lang="en-GB" smtClean="0"/>
-              <a:t>08/05/2021</a:t>
+              <a:t>21/06/2021</a:t>
             </a:fld>
             <a:endParaRPr lang="en-GB"/>
           </a:p>
@@ -1980,7 +1980,7 @@
           <a:p>
             <a:fld id="{486408F3-248D-4767-B5FA-BB4B09811B03}" type="datetimeFigureOut">
               <a:rPr lang="en-GB" smtClean="0"/>
-              <a:t>08/05/2021</a:t>
+              <a:t>21/06/2021</a:t>
             </a:fld>
             <a:endParaRPr lang="en-GB"/>
           </a:p>
@@ -2093,7 +2093,7 @@
           <a:p>
             <a:fld id="{486408F3-248D-4767-B5FA-BB4B09811B03}" type="datetimeFigureOut">
               <a:rPr lang="en-GB" smtClean="0"/>
-              <a:t>08/05/2021</a:t>
+              <a:t>21/06/2021</a:t>
             </a:fld>
             <a:endParaRPr lang="en-GB"/>
           </a:p>
@@ -2406,7 +2406,7 @@
           <a:p>
             <a:fld id="{486408F3-248D-4767-B5FA-BB4B09811B03}" type="datetimeFigureOut">
               <a:rPr lang="en-GB" smtClean="0"/>
-              <a:t>08/05/2021</a:t>
+              <a:t>21/06/2021</a:t>
             </a:fld>
             <a:endParaRPr lang="en-GB"/>
           </a:p>
@@ -2695,7 +2695,7 @@
           <a:p>
             <a:fld id="{486408F3-248D-4767-B5FA-BB4B09811B03}" type="datetimeFigureOut">
               <a:rPr lang="en-GB" smtClean="0"/>
-              <a:t>08/05/2021</a:t>
+              <a:t>21/06/2021</a:t>
             </a:fld>
             <a:endParaRPr lang="en-GB"/>
           </a:p>
@@ -2938,7 +2938,7 @@
           <a:p>
             <a:fld id="{486408F3-248D-4767-B5FA-BB4B09811B03}" type="datetimeFigureOut">
               <a:rPr lang="en-GB" smtClean="0"/>
-              <a:t>08/05/2021</a:t>
+              <a:t>21/06/2021</a:t>
             </a:fld>
             <a:endParaRPr lang="en-GB"/>
           </a:p>
@@ -3369,7 +3369,7 @@
         </p:nvSpPr>
         <p:spPr>
           <a:xfrm>
-            <a:off x="3487587" y="168657"/>
+            <a:off x="3515143" y="172331"/>
             <a:ext cx="602974" cy="313279"/>
           </a:xfrm>
           <a:prstGeom prst="flowChartTerminator">
@@ -3404,6 +3404,22 @@
           <a:p>
             <a:pPr algn="ctr"/>
             <a:r>
+              <a:rPr lang="pt-PT" sz="1050" b="1" dirty="0">
+                <a:ln w="0"/>
+                <a:solidFill>
+                  <a:schemeClr val="tx1"/>
+                </a:solidFill>
+                <a:effectLst>
+                  <a:outerShdw blurRad="38100" dist="19050" dir="2700000" algn="tl" rotWithShape="0">
+                    <a:schemeClr val="dk1">
+                      <a:alpha val="40000"/>
+                    </a:schemeClr>
+                  </a:outerShdw>
+                </a:effectLst>
+              </a:rPr>
+              <a:t>I</a:t>
+            </a:r>
+            <a:r>
               <a:rPr lang="en-GB" sz="1050" b="1" dirty="0">
                 <a:ln w="0"/>
                 <a:solidFill>
@@ -3417,7 +3433,7 @@
                   </a:outerShdw>
                 </a:effectLst>
               </a:rPr>
-              <a:t>START</a:t>
+              <a:t>NICIO</a:t>
             </a:r>
             <a:endParaRPr lang="en-GB" sz="1050" b="1" dirty="0">
               <a:solidFill>
@@ -3441,8 +3457,8 @@
         </p:nvSpPr>
         <p:spPr>
           <a:xfrm>
-            <a:off x="2979972" y="676232"/>
-            <a:ext cx="1621521" cy="222602"/>
+            <a:off x="2979972" y="661436"/>
+            <a:ext cx="1673315" cy="204639"/>
           </a:xfrm>
           <a:prstGeom prst="flowChartProcess">
             <a:avLst/>
@@ -3476,13 +3492,42 @@
           <a:p>
             <a:pPr algn="ctr"/>
             <a:r>
+              <a:rPr lang="pt-PT" sz="1050" b="1" dirty="0">
+                <a:solidFill>
+                  <a:schemeClr val="tx1"/>
+                </a:solidFill>
+              </a:rPr>
+              <a:t>F</a:t>
+            </a:r>
+            <a:r>
+              <a:rPr lang="en-GB" sz="1050" b="1" dirty="0" err="1">
+                <a:solidFill>
+                  <a:schemeClr val="tx1"/>
+                </a:solidFill>
+              </a:rPr>
+              <a:t>requência</a:t>
+            </a:r>
+            <a:r>
               <a:rPr lang="en-GB" sz="1050" b="1" dirty="0">
                 <a:solidFill>
                   <a:schemeClr val="tx1"/>
                 </a:solidFill>
               </a:rPr>
-              <a:t>Working Frequency</a:t>
-            </a:r>
+              <a:t> de </a:t>
+            </a:r>
+            <a:r>
+              <a:rPr lang="en-GB" sz="1050" b="1" dirty="0" err="1">
+                <a:solidFill>
+                  <a:schemeClr val="tx1"/>
+                </a:solidFill>
+              </a:rPr>
+              <a:t>Trabalho</a:t>
+            </a:r>
+            <a:endParaRPr lang="en-GB" sz="1050" b="1" dirty="0">
+              <a:solidFill>
+                <a:schemeClr val="tx1"/>
+              </a:solidFill>
+            </a:endParaRPr>
           </a:p>
         </p:txBody>
       </p:sp>
@@ -3500,8 +3545,8 @@
         </p:nvSpPr>
         <p:spPr>
           <a:xfrm>
-            <a:off x="2979970" y="3653628"/>
-            <a:ext cx="1621522" cy="501963"/>
+            <a:off x="2979969" y="3653628"/>
+            <a:ext cx="1673121" cy="501963"/>
           </a:xfrm>
           <a:prstGeom prst="flowChartInputOutput">
             <a:avLst/>
@@ -3535,12 +3580,20 @@
           <a:p>
             <a:pPr algn="ctr"/>
             <a:r>
+              <a:rPr lang="pt-PT" sz="1050" b="1" dirty="0">
+                <a:solidFill>
+                  <a:schemeClr val="tx1"/>
+                </a:solidFill>
+              </a:rPr>
+              <a:t>L</a:t>
+            </a:r>
+            <a:r>
               <a:rPr lang="en-GB" sz="1050" b="1" dirty="0">
                 <a:solidFill>
                   <a:schemeClr val="tx1"/>
                 </a:solidFill>
               </a:rPr>
-              <a:t>READ INPUTS</a:t>
+              <a:t>EITURA ENTRADAS</a:t>
             </a:r>
           </a:p>
         </p:txBody>
@@ -3703,8 +3756,8 @@
         </p:nvSpPr>
         <p:spPr>
           <a:xfrm>
-            <a:off x="2976656" y="1090703"/>
-            <a:ext cx="1621522" cy="674886"/>
+            <a:off x="2979969" y="1090704"/>
+            <a:ext cx="1673319" cy="674886"/>
           </a:xfrm>
           <a:prstGeom prst="flowChartProcess">
             <a:avLst/>
@@ -3741,12 +3794,39 @@
               <a:buChar char="•"/>
             </a:pPr>
             <a:r>
+              <a:rPr lang="en-GB" sz="1050" b="1" dirty="0" err="1">
+                <a:solidFill>
+                  <a:schemeClr val="tx1"/>
+                </a:solidFill>
+              </a:rPr>
+              <a:t>Bibliotecas</a:t>
+            </a:r>
+            <a:endParaRPr lang="en-GB" sz="1050" b="1" dirty="0">
+              <a:solidFill>
+                <a:schemeClr val="tx1"/>
+              </a:solidFill>
+            </a:endParaRPr>
+          </a:p>
+          <a:p>
+            <a:pPr marL="285750" indent="-285750">
+              <a:buFont typeface="Arial" panose="020B0604020202020204" pitchFamily="34" charset="0"/>
+              <a:buChar char="•"/>
+            </a:pPr>
+            <a:r>
+              <a:rPr lang="en-GB" sz="1050" b="1" dirty="0" err="1">
+                <a:solidFill>
+                  <a:schemeClr val="tx1"/>
+                </a:solidFill>
+              </a:rPr>
+              <a:t>Constantes</a:t>
+            </a:r>
+            <a:r>
               <a:rPr lang="en-GB" sz="1050" b="1" dirty="0">
                 <a:solidFill>
                   <a:schemeClr val="tx1"/>
                 </a:solidFill>
               </a:rPr>
-              <a:t>Libraries</a:t>
+              <a:t> &amp; Macros</a:t>
             </a:r>
           </a:p>
           <a:p>
@@ -3754,42 +3834,70 @@
               <a:buFont typeface="Arial" panose="020B0604020202020204" pitchFamily="34" charset="0"/>
               <a:buChar char="•"/>
             </a:pPr>
+            <a:r>
+              <a:rPr lang="en-GB" sz="1050" b="1" dirty="0" err="1">
+                <a:solidFill>
+                  <a:schemeClr val="tx1"/>
+                </a:solidFill>
+              </a:rPr>
+              <a:t>Variáveis</a:t>
+            </a:r>
             <a:r>
               <a:rPr lang="en-GB" sz="1050" b="1" dirty="0">
                 <a:solidFill>
                   <a:schemeClr val="tx1"/>
                 </a:solidFill>
               </a:rPr>
-              <a:t>Constant &amp; Macros</a:t>
-            </a:r>
+              <a:t> </a:t>
+            </a:r>
+            <a:r>
+              <a:rPr lang="en-GB" sz="1050" b="1" dirty="0" err="1">
+                <a:solidFill>
+                  <a:schemeClr val="tx1"/>
+                </a:solidFill>
+              </a:rPr>
+              <a:t>Globais</a:t>
+            </a:r>
+            <a:endParaRPr lang="en-GB" sz="1050" b="1" dirty="0">
+              <a:solidFill>
+                <a:schemeClr val="tx1"/>
+              </a:solidFill>
+            </a:endParaRPr>
           </a:p>
           <a:p>
             <a:pPr marL="285750" indent="-285750">
               <a:buFont typeface="Arial" panose="020B0604020202020204" pitchFamily="34" charset="0"/>
               <a:buChar char="•"/>
             </a:pPr>
+            <a:r>
+              <a:rPr lang="en-GB" sz="1050" b="1" dirty="0" err="1">
+                <a:solidFill>
+                  <a:schemeClr val="tx1"/>
+                </a:solidFill>
+              </a:rPr>
+              <a:t>Funcões</a:t>
+            </a:r>
             <a:r>
               <a:rPr lang="en-GB" sz="1050" b="1" dirty="0">
                 <a:solidFill>
                   <a:schemeClr val="tx1"/>
                 </a:solidFill>
               </a:rPr>
-              <a:t>Global File Variables</a:t>
-            </a:r>
-          </a:p>
-          <a:p>
-            <a:pPr marL="285750" indent="-285750">
-              <a:buFont typeface="Arial" panose="020B0604020202020204" pitchFamily="34" charset="0"/>
-              <a:buChar char="•"/>
-            </a:pPr>
-            <a:r>
-              <a:rPr lang="en-GB" sz="1050" b="1" dirty="0">
+              <a:t> </a:t>
+            </a:r>
+            <a:r>
+              <a:rPr lang="en-GB" sz="1050" b="1" dirty="0" err="1">
                 <a:solidFill>
                   <a:schemeClr val="tx1"/>
                 </a:solidFill>
               </a:rPr>
-              <a:t>Function Headers</a:t>
-            </a:r>
+              <a:t>Protótipo</a:t>
+            </a:r>
+            <a:endParaRPr lang="en-GB" sz="1050" b="1" dirty="0">
+              <a:solidFill>
+                <a:schemeClr val="tx1"/>
+              </a:solidFill>
+            </a:endParaRPr>
           </a:p>
         </p:txBody>
       </p:sp>
@@ -3807,8 +3915,8 @@
         </p:nvSpPr>
         <p:spPr>
           <a:xfrm>
-            <a:off x="2983285" y="3080775"/>
-            <a:ext cx="1618208" cy="348225"/>
+            <a:off x="2983284" y="3054384"/>
+            <a:ext cx="1673121" cy="348225"/>
           </a:xfrm>
           <a:prstGeom prst="flowChartProcess">
             <a:avLst/>
@@ -3845,13 +3953,34 @@
               <a:buChar char="•"/>
             </a:pPr>
             <a:r>
+              <a:rPr lang="en-GB" sz="1050" b="1" dirty="0" err="1">
+                <a:solidFill>
+                  <a:schemeClr val="tx1"/>
+                </a:solidFill>
+              </a:rPr>
+              <a:t>Rotinas</a:t>
+            </a:r>
+            <a:r>
               <a:rPr lang="en-GB" sz="1050" b="1" dirty="0">
                 <a:solidFill>
                   <a:schemeClr val="tx1"/>
                 </a:solidFill>
               </a:rPr>
-              <a:t>Preamble Routines</a:t>
-            </a:r>
+              <a:t> </a:t>
+            </a:r>
+            <a:r>
+              <a:rPr lang="en-GB" sz="1050" b="1" dirty="0" err="1">
+                <a:solidFill>
+                  <a:schemeClr val="tx1"/>
+                </a:solidFill>
+              </a:rPr>
+              <a:t>Preâmbulo</a:t>
+            </a:r>
+            <a:endParaRPr lang="en-GB" sz="1050" b="1" dirty="0">
+              <a:solidFill>
+                <a:schemeClr val="tx1"/>
+              </a:solidFill>
+            </a:endParaRPr>
           </a:p>
           <a:p>
             <a:pPr marL="285750" indent="-285750">
@@ -3859,13 +3988,18 @@
               <a:buChar char="•"/>
             </a:pPr>
             <a:r>
-              <a:rPr lang="en-GB" sz="1050" b="1" dirty="0">
+              <a:rPr lang="en-GB" sz="1050" b="1" dirty="0" err="1">
                 <a:solidFill>
                   <a:schemeClr val="tx1"/>
                 </a:solidFill>
               </a:rPr>
-              <a:t>Routines</a:t>
-            </a:r>
+              <a:t>Rotinas</a:t>
+            </a:r>
+            <a:endParaRPr lang="en-GB" sz="1050" b="1" dirty="0">
+              <a:solidFill>
+                <a:schemeClr val="tx1"/>
+              </a:solidFill>
+            </a:endParaRPr>
           </a:p>
         </p:txBody>
       </p:sp>
@@ -3884,7 +4018,7 @@
         <p:spPr>
           <a:xfrm>
             <a:off x="2979969" y="1966640"/>
-            <a:ext cx="1618209" cy="645314"/>
+            <a:ext cx="1673318" cy="645314"/>
           </a:xfrm>
           <a:prstGeom prst="flowChartProcess">
             <a:avLst/>
@@ -3932,41 +4066,104 @@
               <a:buChar char="•"/>
             </a:pPr>
             <a:r>
+              <a:rPr lang="en-GB" sz="1050" b="1" dirty="0" err="1">
+                <a:solidFill>
+                  <a:schemeClr val="tx1"/>
+                </a:solidFill>
+              </a:rPr>
+              <a:t>Inicializar</a:t>
+            </a:r>
+            <a:r>
               <a:rPr lang="en-GB" sz="1050" b="1" dirty="0">
                 <a:solidFill>
                   <a:schemeClr val="tx1"/>
                 </a:solidFill>
               </a:rPr>
-              <a:t>Initialize Functions</a:t>
-            </a:r>
+              <a:t> </a:t>
+            </a:r>
+            <a:r>
+              <a:rPr lang="en-GB" sz="1050" b="1" dirty="0" err="1">
+                <a:solidFill>
+                  <a:schemeClr val="tx1"/>
+                </a:solidFill>
+              </a:rPr>
+              <a:t>Funções</a:t>
+            </a:r>
+            <a:endParaRPr lang="en-GB" sz="1050" b="1" dirty="0">
+              <a:solidFill>
+                <a:schemeClr val="tx1"/>
+              </a:solidFill>
+            </a:endParaRPr>
           </a:p>
           <a:p>
             <a:pPr marL="285750" indent="-285750">
               <a:buFont typeface="Arial" panose="020B0604020202020204" pitchFamily="34" charset="0"/>
               <a:buChar char="•"/>
             </a:pPr>
+            <a:r>
+              <a:rPr lang="en-GB" sz="1050" b="1" dirty="0" err="1">
+                <a:solidFill>
+                  <a:schemeClr val="tx1"/>
+                </a:solidFill>
+              </a:rPr>
+              <a:t>Variáveis</a:t>
+            </a:r>
             <a:r>
               <a:rPr lang="en-GB" sz="1050" b="1" dirty="0">
                 <a:solidFill>
                   <a:schemeClr val="tx1"/>
                 </a:solidFill>
               </a:rPr>
-              <a:t>Main Variables</a:t>
-            </a:r>
+              <a:t> </a:t>
+            </a:r>
+            <a:r>
+              <a:rPr lang="en-GB" sz="1050" b="1" dirty="0" err="1">
+                <a:solidFill>
+                  <a:schemeClr val="tx1"/>
+                </a:solidFill>
+              </a:rPr>
+              <a:t>Locais</a:t>
+            </a:r>
+            <a:endParaRPr lang="en-GB" sz="1050" b="1" dirty="0">
+              <a:solidFill>
+                <a:schemeClr val="tx1"/>
+              </a:solidFill>
+            </a:endParaRPr>
           </a:p>
           <a:p>
             <a:pPr marL="285750" indent="-285750">
               <a:buFont typeface="Arial" panose="020B0604020202020204" pitchFamily="34" charset="0"/>
               <a:buChar char="•"/>
             </a:pPr>
+            <a:r>
+              <a:rPr lang="en-GB" sz="1050" b="1" dirty="0" err="1">
+                <a:solidFill>
+                  <a:schemeClr val="tx1"/>
+                </a:solidFill>
+              </a:rPr>
+              <a:t>Inicializar</a:t>
+            </a:r>
             <a:r>
               <a:rPr lang="en-GB" sz="1050" b="1" dirty="0">
                 <a:solidFill>
                   <a:schemeClr val="tx1"/>
                 </a:solidFill>
               </a:rPr>
-              <a:t>Initialize Variables</a:t>
-            </a:r>
+              <a:t> </a:t>
+            </a:r>
+            <a:r>
+              <a:rPr lang="en-GB" sz="1050" b="1" dirty="0" err="1">
+                <a:solidFill>
+                  <a:schemeClr val="tx1"/>
+                </a:solidFill>
+              </a:rPr>
+              <a:t>Variáveis</a:t>
+            </a:r>
+            <a:endParaRPr lang="en-GB" sz="1050" b="1" dirty="0">
+              <a:solidFill>
+                <a:schemeClr val="tx1"/>
+              </a:solidFill>
+            </a:endParaRPr>
           </a:p>
         </p:txBody>
       </p:sp>
@@ -4047,8 +4244,8 @@
         </p:nvCxnSpPr>
         <p:spPr>
           <a:xfrm>
-            <a:off x="3789074" y="481936"/>
-            <a:ext cx="1659" cy="194296"/>
+            <a:off x="3816630" y="485610"/>
+            <a:ext cx="0" cy="175826"/>
           </a:xfrm>
           <a:prstGeom prst="straightConnector1">
             <a:avLst/>
@@ -4093,8 +4290,8 @@
         </p:nvCxnSpPr>
         <p:spPr>
           <a:xfrm flipH="1">
-            <a:off x="3787417" y="898834"/>
-            <a:ext cx="3316" cy="191869"/>
+            <a:off x="3816629" y="866075"/>
+            <a:ext cx="1" cy="224629"/>
           </a:xfrm>
           <a:prstGeom prst="straightConnector1">
             <a:avLst/>
@@ -4138,9 +4335,9 @@
           <p:nvPr/>
         </p:nvCxnSpPr>
         <p:spPr>
-          <a:xfrm>
-            <a:off x="3787417" y="1765589"/>
-            <a:ext cx="1657" cy="201051"/>
+          <a:xfrm flipH="1">
+            <a:off x="3816628" y="1765590"/>
+            <a:ext cx="1" cy="201050"/>
           </a:xfrm>
           <a:prstGeom prst="straightConnector1">
             <a:avLst/>
@@ -4185,8 +4382,8 @@
         </p:nvCxnSpPr>
         <p:spPr>
           <a:xfrm>
-            <a:off x="3789074" y="2611954"/>
-            <a:ext cx="3315" cy="468821"/>
+            <a:off x="3816628" y="2611954"/>
+            <a:ext cx="3217" cy="442430"/>
           </a:xfrm>
           <a:prstGeom prst="straightConnector1">
             <a:avLst/>
@@ -4231,8 +4428,8 @@
         </p:nvCxnSpPr>
         <p:spPr>
           <a:xfrm flipH="1">
-            <a:off x="3790731" y="3429000"/>
-            <a:ext cx="1658" cy="224628"/>
+            <a:off x="3816530" y="3402609"/>
+            <a:ext cx="3315" cy="251019"/>
           </a:xfrm>
           <a:prstGeom prst="straightConnector1">
             <a:avLst/>
@@ -4276,9 +4473,9 @@
           <p:nvPr/>
         </p:nvCxnSpPr>
         <p:spPr>
-          <a:xfrm>
-            <a:off x="3790731" y="4155591"/>
-            <a:ext cx="11135" cy="175826"/>
+          <a:xfrm flipH="1">
+            <a:off x="3801866" y="4155591"/>
+            <a:ext cx="14664" cy="175826"/>
           </a:xfrm>
           <a:prstGeom prst="straightConnector1">
             <a:avLst/>
@@ -4456,7 +4653,7 @@
         <p:spPr>
           <a:xfrm>
             <a:off x="5349609" y="5037968"/>
-            <a:ext cx="370614" cy="253916"/>
+            <a:ext cx="391454" cy="253916"/>
           </a:xfrm>
           <a:prstGeom prst="rect">
             <a:avLst/>
@@ -4470,9 +4667,14 @@
           <a:lstStyle/>
           <a:p>
             <a:r>
-              <a:rPr lang="en-GB" sz="1050" b="1" dirty="0"/>
-              <a:t>yes</a:t>
-            </a:r>
+              <a:rPr lang="pt-PT" sz="1050" b="1" dirty="0"/>
+              <a:t>S</a:t>
+            </a:r>
+            <a:r>
+              <a:rPr lang="en-GB" sz="1050" b="1" dirty="0" err="1"/>
+              <a:t>im</a:t>
+            </a:r>
+            <a:endParaRPr lang="en-GB" sz="1050" b="1" dirty="0"/>
           </a:p>
         </p:txBody>
       </p:sp>
@@ -4491,7 +4693,7 @@
         <p:spPr>
           <a:xfrm>
             <a:off x="3835828" y="5037967"/>
-            <a:ext cx="370614" cy="253916"/>
+            <a:ext cx="391454" cy="253916"/>
           </a:xfrm>
           <a:prstGeom prst="rect">
             <a:avLst/>
@@ -4505,9 +4707,14 @@
           <a:lstStyle/>
           <a:p>
             <a:r>
-              <a:rPr lang="en-GB" sz="1050" b="1" dirty="0"/>
-              <a:t>yes</a:t>
-            </a:r>
+              <a:rPr lang="pt-PT" sz="1050" b="1" dirty="0"/>
+              <a:t>S</a:t>
+            </a:r>
+            <a:r>
+              <a:rPr lang="en-GB" sz="1050" b="1" dirty="0" err="1"/>
+              <a:t>im</a:t>
+            </a:r>
+            <a:endParaRPr lang="en-GB" sz="1050" b="1" dirty="0"/>
           </a:p>
         </p:txBody>
       </p:sp>
@@ -4526,7 +4733,7 @@
         <p:spPr>
           <a:xfrm>
             <a:off x="5847502" y="4373441"/>
-            <a:ext cx="344966" cy="253916"/>
+            <a:ext cx="410690" cy="253916"/>
           </a:xfrm>
           <a:prstGeom prst="rect">
             <a:avLst/>
@@ -4540,9 +4747,10 @@
           <a:lstStyle/>
           <a:p>
             <a:r>
-              <a:rPr lang="en-GB" sz="1050" b="1" dirty="0"/>
-              <a:t>No</a:t>
-            </a:r>
+              <a:rPr lang="en-GB" sz="1050" b="1" dirty="0" err="1"/>
+              <a:t>Não</a:t>
+            </a:r>
+            <a:endParaRPr lang="en-GB" sz="1050" b="1" dirty="0"/>
           </a:p>
         </p:txBody>
       </p:sp>
@@ -4561,7 +4769,7 @@
         <p:spPr>
           <a:xfrm>
             <a:off x="4329592" y="4364645"/>
-            <a:ext cx="344966" cy="253916"/>
+            <a:ext cx="410690" cy="253916"/>
           </a:xfrm>
           <a:prstGeom prst="rect">
             <a:avLst/>
@@ -4575,9 +4783,10 @@
           <a:lstStyle/>
           <a:p>
             <a:r>
-              <a:rPr lang="en-GB" sz="1050" b="1" dirty="0"/>
-              <a:t>No</a:t>
-            </a:r>
+              <a:rPr lang="en-GB" sz="1050" b="1" dirty="0" err="1"/>
+              <a:t>Não</a:t>
+            </a:r>
+            <a:endParaRPr lang="en-GB" sz="1050" b="1" dirty="0"/>
           </a:p>
         </p:txBody>
       </p:sp>
@@ -4630,14 +4839,14 @@
           <a:p>
             <a:pPr algn="ctr"/>
             <a:r>
-              <a:rPr lang="pt-PT" sz="1200" b="1" dirty="0">
+              <a:rPr lang="pt-PT" sz="1050" b="1" dirty="0">
                 <a:solidFill>
                   <a:schemeClr val="tx1"/>
                 </a:solidFill>
               </a:rPr>
-              <a:t>PROGRAM 1</a:t>
-            </a:r>
-            <a:endParaRPr lang="en-GB" sz="1200" b="1" dirty="0">
+              <a:t>PROGRAMA 1</a:t>
+            </a:r>
+            <a:endParaRPr lang="en-GB" sz="1050" b="1" dirty="0">
               <a:solidFill>
                 <a:schemeClr val="tx1"/>
               </a:solidFill>
@@ -4694,14 +4903,14 @@
           <a:p>
             <a:pPr algn="ctr"/>
             <a:r>
-              <a:rPr lang="pt-PT" sz="1200" b="1" dirty="0">
+              <a:rPr lang="pt-PT" sz="1050" b="1" dirty="0">
                 <a:solidFill>
                   <a:schemeClr val="tx1"/>
                 </a:solidFill>
               </a:rPr>
-              <a:t>PROGRAM 2</a:t>
-            </a:r>
-            <a:endParaRPr lang="en-GB" sz="1200" b="1" dirty="0">
+              <a:t>PROGRAMA 2</a:t>
+            </a:r>
+            <a:endParaRPr lang="en-GB" sz="1050" b="1" dirty="0">
               <a:solidFill>
                 <a:schemeClr val="tx1"/>
               </a:solidFill>
